--- a/Aegiverse_GUI/HINS/HINS_Ver2.0/doc/架構.pptx
+++ b/Aegiverse_GUI/HINS/HINS_Ver2.0/doc/架構.pptx
@@ -8,6 +8,10 @@
     <p:sldId id="257" r:id="rId2"/>
     <p:sldId id="258" r:id="rId3"/>
     <p:sldId id="259" r:id="rId4"/>
+    <p:sldId id="260" r:id="rId5"/>
+    <p:sldId id="261" r:id="rId6"/>
+    <p:sldId id="262" r:id="rId7"/>
+    <p:sldId id="263" r:id="rId8"/>
   </p:sldIdLst>
   <p:sldSz cx="12192000" cy="6858000"/>
   <p:notesSz cx="6858000" cy="9144000"/>
@@ -106,6 +110,11 @@
       </a:defRPr>
     </a:lvl9pPr>
   </p:defaultTextStyle>
+  <p:extLst>
+    <p:ext uri="{EFAFB233-063F-42B5-8137-9DF3F51BA10A}">
+      <p15:sldGuideLst xmlns:p15="http://schemas.microsoft.com/office/powerpoint/2012/main"/>
+    </p:ext>
+  </p:extLst>
 </p:presentation>
 </file>
 
@@ -3331,10 +3340,10 @@
       </p:grpSpPr>
       <p:pic>
         <p:nvPicPr>
-          <p:cNvPr id="3" name="圖片 2" descr="一張含有 文字, 螢幕擷取畫面, 字型, 數字 的圖片&#10;&#10;AI 產生的內容可能不正確。">
-            <a:extLst>
-              <a:ext uri="{FF2B5EF4-FFF2-40B4-BE49-F238E27FC236}">
-                <a16:creationId xmlns:a16="http://schemas.microsoft.com/office/drawing/2014/main" id="{254834BC-7BEC-CF13-F834-79688BC5FF97}"/>
+          <p:cNvPr id="4" name="圖片 3" descr="一張含有 文字, 螢幕擷取畫面, 字型, 數字 的圖片&#10;&#10;AI 產生的內容可能不正確。">
+            <a:extLst>
+              <a:ext uri="{FF2B5EF4-FFF2-40B4-BE49-F238E27FC236}">
+                <a16:creationId xmlns:a16="http://schemas.microsoft.com/office/drawing/2014/main" id="{7A460AF2-2B65-EA96-57FF-ADFA6085E66E}"/>
               </a:ext>
             </a:extLst>
           </p:cNvPr>
@@ -3351,8 +3360,8 @@
         </p:blipFill>
         <p:spPr>
           <a:xfrm>
-            <a:off x="3209522" y="1176023"/>
-            <a:ext cx="5772956" cy="4505954"/>
+            <a:off x="2685574" y="437732"/>
+            <a:ext cx="6820852" cy="5982535"/>
           </a:xfrm>
           <a:prstGeom prst="rect">
             <a:avLst/>
@@ -3395,6 +3404,36 @@
           <a:chExt cx="0" cy="0"/>
         </a:xfrm>
       </p:grpSpPr>
+      <p:pic>
+        <p:nvPicPr>
+          <p:cNvPr id="3" name="圖片 2" descr="一張含有 文字, 字型, 代數, 螢幕擷取畫面 的圖片&#10;&#10;AI 產生的內容可能不正確。">
+            <a:extLst>
+              <a:ext uri="{FF2B5EF4-FFF2-40B4-BE49-F238E27FC236}">
+                <a16:creationId xmlns:a16="http://schemas.microsoft.com/office/drawing/2014/main" id="{873F7763-6091-812F-309F-D3B40B47CD56}"/>
+              </a:ext>
+            </a:extLst>
+          </p:cNvPr>
+          <p:cNvPicPr>
+            <a:picLocks noChangeAspect="1"/>
+          </p:cNvPicPr>
+          <p:nvPr/>
+        </p:nvPicPr>
+        <p:blipFill>
+          <a:blip r:embed="rId2"/>
+          <a:stretch>
+            <a:fillRect/>
+          </a:stretch>
+        </p:blipFill>
+        <p:spPr>
+          <a:xfrm>
+            <a:off x="2690337" y="2223919"/>
+            <a:ext cx="6811326" cy="2410161"/>
+          </a:xfrm>
+          <a:prstGeom prst="rect">
+            <a:avLst/>
+          </a:prstGeom>
+        </p:spPr>
+      </p:pic>
     </p:spTree>
     <p:extLst>
       <p:ext uri="{BB962C8B-B14F-4D97-AF65-F5344CB8AC3E}">
@@ -3431,10 +3470,244 @@
           <a:chExt cx="0" cy="0"/>
         </a:xfrm>
       </p:grpSpPr>
+      <p:pic>
+        <p:nvPicPr>
+          <p:cNvPr id="3" name="圖片 2" descr="一張含有 文字, 螢幕擷取畫面, 字型, 代數 的圖片&#10;&#10;AI 產生的內容可能不正確。">
+            <a:extLst>
+              <a:ext uri="{FF2B5EF4-FFF2-40B4-BE49-F238E27FC236}">
+                <a16:creationId xmlns:a16="http://schemas.microsoft.com/office/drawing/2014/main" id="{AF0348F8-1089-E041-630E-B9B7CCFFB2D8}"/>
+              </a:ext>
+            </a:extLst>
+          </p:cNvPr>
+          <p:cNvPicPr>
+            <a:picLocks noChangeAspect="1"/>
+          </p:cNvPicPr>
+          <p:nvPr/>
+        </p:nvPicPr>
+        <p:blipFill>
+          <a:blip r:embed="rId2"/>
+          <a:stretch>
+            <a:fillRect/>
+          </a:stretch>
+        </p:blipFill>
+        <p:spPr>
+          <a:xfrm>
+            <a:off x="2559922" y="164200"/>
+            <a:ext cx="6296904" cy="2991267"/>
+          </a:xfrm>
+          <a:prstGeom prst="rect">
+            <a:avLst/>
+          </a:prstGeom>
+        </p:spPr>
+      </p:pic>
     </p:spTree>
     <p:extLst>
       <p:ext uri="{BB962C8B-B14F-4D97-AF65-F5344CB8AC3E}">
         <p14:creationId xmlns:p14="http://schemas.microsoft.com/office/powerpoint/2010/main" val="3780157842"/>
+      </p:ext>
+    </p:extLst>
+  </p:cSld>
+  <p:clrMapOvr>
+    <a:masterClrMapping/>
+  </p:clrMapOvr>
+</p:sld>
+</file>
+
+<file path=ppt/slides/slide4.xml><?xml version="1.0" encoding="utf-8"?>
+<p:sld xmlns:a="http://schemas.openxmlformats.org/drawingml/2006/main" xmlns:r="http://schemas.openxmlformats.org/officeDocument/2006/relationships" xmlns:p="http://schemas.openxmlformats.org/presentationml/2006/main">
+  <p:cSld>
+    <p:spTree>
+      <p:nvGrpSpPr>
+        <p:cNvPr id="1" name="">
+          <a:extLst>
+            <a:ext uri="{FF2B5EF4-FFF2-40B4-BE49-F238E27FC236}">
+              <a16:creationId xmlns:a16="http://schemas.microsoft.com/office/drawing/2014/main" id="{7D7C8F4E-EBEF-C1BC-7C37-5253C068AC9B}"/>
+            </a:ext>
+          </a:extLst>
+        </p:cNvPr>
+        <p:cNvGrpSpPr/>
+        <p:nvPr/>
+      </p:nvGrpSpPr>
+      <p:grpSpPr>
+        <a:xfrm>
+          <a:off x="0" y="0"/>
+          <a:ext cx="0" cy="0"/>
+          <a:chOff x="0" y="0"/>
+          <a:chExt cx="0" cy="0"/>
+        </a:xfrm>
+      </p:grpSpPr>
+      <p:pic>
+        <p:nvPicPr>
+          <p:cNvPr id="3" name="圖片 2" descr="一張含有 文字, 螢幕擷取畫面, 字型, 文件 的圖片&#10;&#10;AI 產生的內容可能不正確。">
+            <a:extLst>
+              <a:ext uri="{FF2B5EF4-FFF2-40B4-BE49-F238E27FC236}">
+                <a16:creationId xmlns:a16="http://schemas.microsoft.com/office/drawing/2014/main" id="{295BC1B3-D87E-45AA-3EFF-18F56E39476A}"/>
+              </a:ext>
+            </a:extLst>
+          </p:cNvPr>
+          <p:cNvPicPr>
+            <a:picLocks noChangeAspect="1"/>
+          </p:cNvPicPr>
+          <p:nvPr/>
+        </p:nvPicPr>
+        <p:blipFill>
+          <a:blip r:embed="rId2"/>
+          <a:stretch>
+            <a:fillRect/>
+          </a:stretch>
+        </p:blipFill>
+        <p:spPr>
+          <a:xfrm>
+            <a:off x="2723679" y="584438"/>
+            <a:ext cx="6744641" cy="4496427"/>
+          </a:xfrm>
+          <a:prstGeom prst="rect">
+            <a:avLst/>
+          </a:prstGeom>
+        </p:spPr>
+      </p:pic>
+    </p:spTree>
+    <p:extLst>
+      <p:ext uri="{BB962C8B-B14F-4D97-AF65-F5344CB8AC3E}">
+        <p14:creationId xmlns:p14="http://schemas.microsoft.com/office/powerpoint/2010/main" val="2757413388"/>
+      </p:ext>
+    </p:extLst>
+  </p:cSld>
+  <p:clrMapOvr>
+    <a:masterClrMapping/>
+  </p:clrMapOvr>
+</p:sld>
+</file>
+
+<file path=ppt/slides/slide5.xml><?xml version="1.0" encoding="utf-8"?>
+<p:sld xmlns:a="http://schemas.openxmlformats.org/drawingml/2006/main" xmlns:r="http://schemas.openxmlformats.org/officeDocument/2006/relationships" xmlns:p="http://schemas.openxmlformats.org/presentationml/2006/main">
+  <p:cSld>
+    <p:spTree>
+      <p:nvGrpSpPr>
+        <p:cNvPr id="1" name="">
+          <a:extLst>
+            <a:ext uri="{FF2B5EF4-FFF2-40B4-BE49-F238E27FC236}">
+              <a16:creationId xmlns:a16="http://schemas.microsoft.com/office/drawing/2014/main" id="{09580B0A-3119-5642-BFE3-080471CE508C}"/>
+            </a:ext>
+          </a:extLst>
+        </p:cNvPr>
+        <p:cNvGrpSpPr/>
+        <p:nvPr/>
+      </p:nvGrpSpPr>
+      <p:grpSpPr>
+        <a:xfrm>
+          <a:off x="0" y="0"/>
+          <a:ext cx="0" cy="0"/>
+          <a:chOff x="0" y="0"/>
+          <a:chExt cx="0" cy="0"/>
+        </a:xfrm>
+      </p:grpSpPr>
+      <p:pic>
+        <p:nvPicPr>
+          <p:cNvPr id="3" name="圖片 2" descr="一張含有 文字, 螢幕擷取畫面, 字型, 文件 的圖片&#10;&#10;AI 產生的內容可能不正確。">
+            <a:extLst>
+              <a:ext uri="{FF2B5EF4-FFF2-40B4-BE49-F238E27FC236}">
+                <a16:creationId xmlns:a16="http://schemas.microsoft.com/office/drawing/2014/main" id="{C8B05C90-FC83-AD95-DC3A-787495D8B490}"/>
+              </a:ext>
+            </a:extLst>
+          </p:cNvPr>
+          <p:cNvPicPr>
+            <a:picLocks noChangeAspect="1"/>
+          </p:cNvPicPr>
+          <p:nvPr/>
+        </p:nvPicPr>
+        <p:blipFill>
+          <a:blip r:embed="rId2"/>
+          <a:stretch>
+            <a:fillRect/>
+          </a:stretch>
+        </p:blipFill>
+        <p:spPr>
+          <a:xfrm>
+            <a:off x="2747495" y="471074"/>
+            <a:ext cx="6697010" cy="5915851"/>
+          </a:xfrm>
+          <a:prstGeom prst="rect">
+            <a:avLst/>
+          </a:prstGeom>
+        </p:spPr>
+      </p:pic>
+    </p:spTree>
+    <p:extLst>
+      <p:ext uri="{BB962C8B-B14F-4D97-AF65-F5344CB8AC3E}">
+        <p14:creationId xmlns:p14="http://schemas.microsoft.com/office/powerpoint/2010/main" val="2939201794"/>
+      </p:ext>
+    </p:extLst>
+  </p:cSld>
+  <p:clrMapOvr>
+    <a:masterClrMapping/>
+  </p:clrMapOvr>
+</p:sld>
+</file>
+
+<file path=ppt/slides/slide6.xml><?xml version="1.0" encoding="utf-8"?>
+<p:sld xmlns:a="http://schemas.openxmlformats.org/drawingml/2006/main" xmlns:r="http://schemas.openxmlformats.org/officeDocument/2006/relationships" xmlns:p="http://schemas.openxmlformats.org/presentationml/2006/main">
+  <p:cSld>
+    <p:spTree>
+      <p:nvGrpSpPr>
+        <p:cNvPr id="1" name="">
+          <a:extLst>
+            <a:ext uri="{FF2B5EF4-FFF2-40B4-BE49-F238E27FC236}">
+              <a16:creationId xmlns:a16="http://schemas.microsoft.com/office/drawing/2014/main" id="{F2035E6F-C13D-BBFC-23F5-76BA8AF92B23}"/>
+            </a:ext>
+          </a:extLst>
+        </p:cNvPr>
+        <p:cNvGrpSpPr/>
+        <p:nvPr/>
+      </p:nvGrpSpPr>
+      <p:grpSpPr>
+        <a:xfrm>
+          <a:off x="0" y="0"/>
+          <a:ext cx="0" cy="0"/>
+          <a:chOff x="0" y="0"/>
+          <a:chExt cx="0" cy="0"/>
+        </a:xfrm>
+      </p:grpSpPr>
+    </p:spTree>
+    <p:extLst>
+      <p:ext uri="{BB962C8B-B14F-4D97-AF65-F5344CB8AC3E}">
+        <p14:creationId xmlns:p14="http://schemas.microsoft.com/office/powerpoint/2010/main" val="3588849320"/>
+      </p:ext>
+    </p:extLst>
+  </p:cSld>
+  <p:clrMapOvr>
+    <a:masterClrMapping/>
+  </p:clrMapOvr>
+</p:sld>
+</file>
+
+<file path=ppt/slides/slide7.xml><?xml version="1.0" encoding="utf-8"?>
+<p:sld xmlns:a="http://schemas.openxmlformats.org/drawingml/2006/main" xmlns:r="http://schemas.openxmlformats.org/officeDocument/2006/relationships" xmlns:p="http://schemas.openxmlformats.org/presentationml/2006/main">
+  <p:cSld>
+    <p:spTree>
+      <p:nvGrpSpPr>
+        <p:cNvPr id="1" name="">
+          <a:extLst>
+            <a:ext uri="{FF2B5EF4-FFF2-40B4-BE49-F238E27FC236}">
+              <a16:creationId xmlns:a16="http://schemas.microsoft.com/office/drawing/2014/main" id="{7EA98D0D-11A2-1B6B-D065-A1D34F690DD8}"/>
+            </a:ext>
+          </a:extLst>
+        </p:cNvPr>
+        <p:cNvGrpSpPr/>
+        <p:nvPr/>
+      </p:nvGrpSpPr>
+      <p:grpSpPr>
+        <a:xfrm>
+          <a:off x="0" y="0"/>
+          <a:ext cx="0" cy="0"/>
+          <a:chOff x="0" y="0"/>
+          <a:chExt cx="0" cy="0"/>
+        </a:xfrm>
+      </p:grpSpPr>
+    </p:spTree>
+    <p:extLst>
+      <p:ext uri="{BB962C8B-B14F-4D97-AF65-F5344CB8AC3E}">
+        <p14:creationId xmlns:p14="http://schemas.microsoft.com/office/powerpoint/2010/main" val="1066250565"/>
       </p:ext>
     </p:extLst>
   </p:cSld>

--- a/Aegiverse_GUI/HINS/HINS_Ver2.0/doc/架構.pptx
+++ b/Aegiverse_GUI/HINS/HINS_Ver2.0/doc/架構.pptx
@@ -6,12 +6,13 @@
   </p:sldMasterIdLst>
   <p:sldIdLst>
     <p:sldId id="257" r:id="rId2"/>
-    <p:sldId id="258" r:id="rId3"/>
-    <p:sldId id="259" r:id="rId4"/>
-    <p:sldId id="260" r:id="rId5"/>
-    <p:sldId id="261" r:id="rId6"/>
-    <p:sldId id="262" r:id="rId7"/>
-    <p:sldId id="263" r:id="rId8"/>
+    <p:sldId id="264" r:id="rId3"/>
+    <p:sldId id="258" r:id="rId4"/>
+    <p:sldId id="259" r:id="rId5"/>
+    <p:sldId id="260" r:id="rId6"/>
+    <p:sldId id="261" r:id="rId7"/>
+    <p:sldId id="262" r:id="rId8"/>
+    <p:sldId id="263" r:id="rId9"/>
   </p:sldIdLst>
   <p:sldSz cx="12192000" cy="6858000"/>
   <p:notesSz cx="6858000" cy="9144000"/>
@@ -3360,7 +3361,7 @@
         </p:blipFill>
         <p:spPr>
           <a:xfrm>
-            <a:off x="2685574" y="437732"/>
+            <a:off x="270365" y="437732"/>
             <a:ext cx="6820852" cy="5982535"/>
           </a:xfrm>
           <a:prstGeom prst="rect">
@@ -3382,6 +3383,66 @@
 </file>
 
 <file path=ppt/slides/slide2.xml><?xml version="1.0" encoding="utf-8"?>
+<p:sld xmlns:a="http://schemas.openxmlformats.org/drawingml/2006/main" xmlns:r="http://schemas.openxmlformats.org/officeDocument/2006/relationships" xmlns:p="http://schemas.openxmlformats.org/presentationml/2006/main">
+  <p:cSld>
+    <p:spTree>
+      <p:nvGrpSpPr>
+        <p:cNvPr id="1" name=""/>
+        <p:cNvGrpSpPr/>
+        <p:nvPr/>
+      </p:nvGrpSpPr>
+      <p:grpSpPr>
+        <a:xfrm>
+          <a:off x="0" y="0"/>
+          <a:ext cx="0" cy="0"/>
+          <a:chOff x="0" y="0"/>
+          <a:chExt cx="0" cy="0"/>
+        </a:xfrm>
+      </p:grpSpPr>
+      <p:pic>
+        <p:nvPicPr>
+          <p:cNvPr id="5" name="圖片 4" descr="一張含有 文字, 字型, 螢幕擷取畫面, 文件 的圖片&#10;&#10;AI 產生的內容可能不正確。">
+            <a:extLst>
+              <a:ext uri="{FF2B5EF4-FFF2-40B4-BE49-F238E27FC236}">
+                <a16:creationId xmlns:a16="http://schemas.microsoft.com/office/drawing/2014/main" id="{EB38F052-8979-B0BA-ED98-CC747F17501A}"/>
+              </a:ext>
+            </a:extLst>
+          </p:cNvPr>
+          <p:cNvPicPr>
+            <a:picLocks noChangeAspect="1"/>
+          </p:cNvPicPr>
+          <p:nvPr/>
+        </p:nvPicPr>
+        <p:blipFill>
+          <a:blip r:embed="rId2"/>
+          <a:stretch>
+            <a:fillRect/>
+          </a:stretch>
+        </p:blipFill>
+        <p:spPr>
+          <a:xfrm>
+            <a:off x="2828469" y="2057208"/>
+            <a:ext cx="6535062" cy="2743583"/>
+          </a:xfrm>
+          <a:prstGeom prst="rect">
+            <a:avLst/>
+          </a:prstGeom>
+        </p:spPr>
+      </p:pic>
+    </p:spTree>
+    <p:extLst>
+      <p:ext uri="{BB962C8B-B14F-4D97-AF65-F5344CB8AC3E}">
+        <p14:creationId xmlns:p14="http://schemas.microsoft.com/office/powerpoint/2010/main" val="2484253559"/>
+      </p:ext>
+    </p:extLst>
+  </p:cSld>
+  <p:clrMapOvr>
+    <a:masterClrMapping/>
+  </p:clrMapOvr>
+</p:sld>
+</file>
+
+<file path=ppt/slides/slide3.xml><?xml version="1.0" encoding="utf-8"?>
 <p:sld xmlns:a="http://schemas.openxmlformats.org/drawingml/2006/main" xmlns:r="http://schemas.openxmlformats.org/officeDocument/2006/relationships" xmlns:p="http://schemas.openxmlformats.org/presentationml/2006/main">
   <p:cSld>
     <p:spTree>
@@ -3447,7 +3508,7 @@
 </p:sld>
 </file>
 
-<file path=ppt/slides/slide3.xml><?xml version="1.0" encoding="utf-8"?>
+<file path=ppt/slides/slide4.xml><?xml version="1.0" encoding="utf-8"?>
 <p:sld xmlns:a="http://schemas.openxmlformats.org/drawingml/2006/main" xmlns:r="http://schemas.openxmlformats.org/officeDocument/2006/relationships" xmlns:p="http://schemas.openxmlformats.org/presentationml/2006/main">
   <p:cSld>
     <p:spTree>
@@ -3513,7 +3574,7 @@
 </p:sld>
 </file>
 
-<file path=ppt/slides/slide4.xml><?xml version="1.0" encoding="utf-8"?>
+<file path=ppt/slides/slide5.xml><?xml version="1.0" encoding="utf-8"?>
 <p:sld xmlns:a="http://schemas.openxmlformats.org/drawingml/2006/main" xmlns:r="http://schemas.openxmlformats.org/officeDocument/2006/relationships" xmlns:p="http://schemas.openxmlformats.org/presentationml/2006/main">
   <p:cSld>
     <p:spTree>
@@ -3579,7 +3640,7 @@
 </p:sld>
 </file>
 
-<file path=ppt/slides/slide5.xml><?xml version="1.0" encoding="utf-8"?>
+<file path=ppt/slides/slide6.xml><?xml version="1.0" encoding="utf-8"?>
 <p:sld xmlns:a="http://schemas.openxmlformats.org/drawingml/2006/main" xmlns:r="http://schemas.openxmlformats.org/officeDocument/2006/relationships" xmlns:p="http://schemas.openxmlformats.org/presentationml/2006/main">
   <p:cSld>
     <p:spTree>
@@ -3645,7 +3706,7 @@
 </p:sld>
 </file>
 
-<file path=ppt/slides/slide6.xml><?xml version="1.0" encoding="utf-8"?>
+<file path=ppt/slides/slide7.xml><?xml version="1.0" encoding="utf-8"?>
 <p:sld xmlns:a="http://schemas.openxmlformats.org/drawingml/2006/main" xmlns:r="http://schemas.openxmlformats.org/officeDocument/2006/relationships" xmlns:p="http://schemas.openxmlformats.org/presentationml/2006/main">
   <p:cSld>
     <p:spTree>
@@ -3681,7 +3742,7 @@
 </p:sld>
 </file>
 
-<file path=ppt/slides/slide7.xml><?xml version="1.0" encoding="utf-8"?>
+<file path=ppt/slides/slide8.xml><?xml version="1.0" encoding="utf-8"?>
 <p:sld xmlns:a="http://schemas.openxmlformats.org/drawingml/2006/main" xmlns:r="http://schemas.openxmlformats.org/officeDocument/2006/relationships" xmlns:p="http://schemas.openxmlformats.org/presentationml/2006/main">
   <p:cSld>
     <p:spTree>
